--- a/docs/design/WickrIO_DevelopmentOverview.pptx
+++ b/docs/design/WickrIO_DevelopmentOverview.pptx
@@ -7,12 +7,10 @@
   <p:sldIdLst>
     <p:sldId id="256" r:id="rId2"/>
     <p:sldId id="257" r:id="rId3"/>
-    <p:sldId id="258" r:id="rId4"/>
-    <p:sldId id="259" r:id="rId5"/>
-    <p:sldId id="260" r:id="rId6"/>
-    <p:sldId id="261" r:id="rId7"/>
-    <p:sldId id="262" r:id="rId8"/>
-    <p:sldId id="263" r:id="rId9"/>
+    <p:sldId id="261" r:id="rId4"/>
+    <p:sldId id="264" r:id="rId5"/>
+    <p:sldId id="262" r:id="rId6"/>
+    <p:sldId id="263" r:id="rId7"/>
   </p:sldIdLst>
   <p:sldSz cx="12192000" cy="6858000"/>
   <p:notesSz cx="6858000" cy="9144000"/>
@@ -266,7 +264,7 @@
           <a:p>
             <a:fld id="{9D6AE337-7844-394C-A9A8-357F00DCCB2E}" type="datetimeFigureOut">
               <a:rPr lang="en-US" smtClean="0"/>
-              <a:t>9/24/18</a:t>
+              <a:t>9/24/2018</a:t>
             </a:fld>
             <a:endParaRPr lang="en-US"/>
           </a:p>
@@ -464,7 +462,7 @@
           <a:p>
             <a:fld id="{9D6AE337-7844-394C-A9A8-357F00DCCB2E}" type="datetimeFigureOut">
               <a:rPr lang="en-US" smtClean="0"/>
-              <a:t>9/24/18</a:t>
+              <a:t>9/24/2018</a:t>
             </a:fld>
             <a:endParaRPr lang="en-US"/>
           </a:p>
@@ -672,7 +670,7 @@
           <a:p>
             <a:fld id="{9D6AE337-7844-394C-A9A8-357F00DCCB2E}" type="datetimeFigureOut">
               <a:rPr lang="en-US" smtClean="0"/>
-              <a:t>9/24/18</a:t>
+              <a:t>9/24/2018</a:t>
             </a:fld>
             <a:endParaRPr lang="en-US"/>
           </a:p>
@@ -870,7 +868,7 @@
           <a:p>
             <a:fld id="{9D6AE337-7844-394C-A9A8-357F00DCCB2E}" type="datetimeFigureOut">
               <a:rPr lang="en-US" smtClean="0"/>
-              <a:t>9/24/18</a:t>
+              <a:t>9/24/2018</a:t>
             </a:fld>
             <a:endParaRPr lang="en-US"/>
           </a:p>
@@ -1145,7 +1143,7 @@
           <a:p>
             <a:fld id="{9D6AE337-7844-394C-A9A8-357F00DCCB2E}" type="datetimeFigureOut">
               <a:rPr lang="en-US" smtClean="0"/>
-              <a:t>9/24/18</a:t>
+              <a:t>9/24/2018</a:t>
             </a:fld>
             <a:endParaRPr lang="en-US"/>
           </a:p>
@@ -1410,7 +1408,7 @@
           <a:p>
             <a:fld id="{9D6AE337-7844-394C-A9A8-357F00DCCB2E}" type="datetimeFigureOut">
               <a:rPr lang="en-US" smtClean="0"/>
-              <a:t>9/24/18</a:t>
+              <a:t>9/24/2018</a:t>
             </a:fld>
             <a:endParaRPr lang="en-US"/>
           </a:p>
@@ -1822,7 +1820,7 @@
           <a:p>
             <a:fld id="{9D6AE337-7844-394C-A9A8-357F00DCCB2E}" type="datetimeFigureOut">
               <a:rPr lang="en-US" smtClean="0"/>
-              <a:t>9/24/18</a:t>
+              <a:t>9/24/2018</a:t>
             </a:fld>
             <a:endParaRPr lang="en-US"/>
           </a:p>
@@ -1963,7 +1961,7 @@
           <a:p>
             <a:fld id="{9D6AE337-7844-394C-A9A8-357F00DCCB2E}" type="datetimeFigureOut">
               <a:rPr lang="en-US" smtClean="0"/>
-              <a:t>9/24/18</a:t>
+              <a:t>9/24/2018</a:t>
             </a:fld>
             <a:endParaRPr lang="en-US"/>
           </a:p>
@@ -2076,7 +2074,7 @@
           <a:p>
             <a:fld id="{9D6AE337-7844-394C-A9A8-357F00DCCB2E}" type="datetimeFigureOut">
               <a:rPr lang="en-US" smtClean="0"/>
-              <a:t>9/24/18</a:t>
+              <a:t>9/24/2018</a:t>
             </a:fld>
             <a:endParaRPr lang="en-US"/>
           </a:p>
@@ -2387,7 +2385,7 @@
           <a:p>
             <a:fld id="{9D6AE337-7844-394C-A9A8-357F00DCCB2E}" type="datetimeFigureOut">
               <a:rPr lang="en-US" smtClean="0"/>
-              <a:t>9/24/18</a:t>
+              <a:t>9/24/2018</a:t>
             </a:fld>
             <a:endParaRPr lang="en-US"/>
           </a:p>
@@ -2675,7 +2673,7 @@
           <a:p>
             <a:fld id="{9D6AE337-7844-394C-A9A8-357F00DCCB2E}" type="datetimeFigureOut">
               <a:rPr lang="en-US" smtClean="0"/>
-              <a:t>9/24/18</a:t>
+              <a:t>9/24/2018</a:t>
             </a:fld>
             <a:endParaRPr lang="en-US"/>
           </a:p>
@@ -2916,7 +2914,7 @@
           <a:p>
             <a:fld id="{9D6AE337-7844-394C-A9A8-357F00DCCB2E}" type="datetimeFigureOut">
               <a:rPr lang="en-US" smtClean="0"/>
-              <a:t>9/24/18</a:t>
+              <a:t>9/24/2018</a:t>
             </a:fld>
             <a:endParaRPr lang="en-US"/>
           </a:p>
@@ -3449,10 +3447,10 @@
       </p:sp>
       <p:pic>
         <p:nvPicPr>
-          <p:cNvPr id="4" name="Picture 3">
-            <a:extLst>
-              <a:ext uri="{FF2B5EF4-FFF2-40B4-BE49-F238E27FC236}">
-                <a16:creationId xmlns:a16="http://schemas.microsoft.com/office/drawing/2014/main" id="{641AF510-1649-664F-8DF6-2F95EE929765}"/>
+          <p:cNvPr id="5" name="Picture 4">
+            <a:extLst>
+              <a:ext uri="{FF2B5EF4-FFF2-40B4-BE49-F238E27FC236}">
+                <a16:creationId xmlns:a16="http://schemas.microsoft.com/office/drawing/2014/main" id="{EC2CDB77-5973-4C43-9AE6-C9A43828E81E}"/>
               </a:ext>
             </a:extLst>
           </p:cNvPr>
@@ -3469,8 +3467,8 @@
         </p:blipFill>
         <p:spPr>
           <a:xfrm>
-            <a:off x="270450" y="2238631"/>
-            <a:ext cx="11651099" cy="3198341"/>
+            <a:off x="375657" y="2362199"/>
+            <a:ext cx="11194227" cy="3072925"/>
           </a:xfrm>
           <a:prstGeom prst="rect">
             <a:avLst/>
@@ -3512,7 +3510,7 @@
           <p:cNvPr id="2" name="Title 1">
             <a:extLst>
               <a:ext uri="{FF2B5EF4-FFF2-40B4-BE49-F238E27FC236}">
-                <a16:creationId xmlns:a16="http://schemas.microsoft.com/office/drawing/2014/main" id="{E2141A31-D643-F34C-9949-FB273172D601}"/>
+                <a16:creationId xmlns:a16="http://schemas.microsoft.com/office/drawing/2014/main" id="{A612CBA8-A44F-7C44-A0BE-01DEE8809FA6}"/>
               </a:ext>
             </a:extLst>
           </p:cNvPr>
@@ -3530,45 +3528,112 @@
           <a:p>
             <a:r>
               <a:rPr lang="en-US" dirty="0"/>
-              <a:t>WickrIO System Architecture</a:t>
-            </a:r>
-          </a:p>
-        </p:txBody>
-      </p:sp>
-      <p:pic>
-        <p:nvPicPr>
-          <p:cNvPr id="4" name="Picture 3">
-            <a:extLst>
-              <a:ext uri="{FF2B5EF4-FFF2-40B4-BE49-F238E27FC236}">
-                <a16:creationId xmlns:a16="http://schemas.microsoft.com/office/drawing/2014/main" id="{FE04E0B9-6FFA-824B-B44A-6B7500E4AE1D}"/>
-              </a:ext>
-            </a:extLst>
-          </p:cNvPr>
-          <p:cNvPicPr>
-            <a:picLocks noChangeAspect="1"/>
-          </p:cNvPicPr>
-          <p:nvPr/>
-        </p:nvPicPr>
-        <p:blipFill>
-          <a:blip r:embed="rId2"/>
-          <a:stretch>
-            <a:fillRect/>
-          </a:stretch>
-        </p:blipFill>
+              <a:t>WickrIO Client Node.js Addon API</a:t>
+            </a:r>
+          </a:p>
+        </p:txBody>
+      </p:sp>
+      <p:sp>
+        <p:nvSpPr>
+          <p:cNvPr id="3" name="Content Placeholder 2">
+            <a:extLst>
+              <a:ext uri="{FF2B5EF4-FFF2-40B4-BE49-F238E27FC236}">
+                <a16:creationId xmlns:a16="http://schemas.microsoft.com/office/drawing/2014/main" id="{E9B43A63-C770-0343-9BB1-F2D96DDAC9F0}"/>
+              </a:ext>
+            </a:extLst>
+          </p:cNvPr>
+          <p:cNvSpPr>
+            <a:spLocks noGrp="1"/>
+          </p:cNvSpPr>
+          <p:nvPr>
+            <p:ph idx="1"/>
+          </p:nvPr>
+        </p:nvSpPr>
         <p:spPr>
           <a:xfrm>
-            <a:off x="2619633" y="1964724"/>
-            <a:ext cx="6250459" cy="4464614"/>
+            <a:off x="838200" y="1825625"/>
+            <a:ext cx="10515600" cy="4338869"/>
           </a:xfrm>
-          <a:prstGeom prst="rect">
-            <a:avLst/>
-          </a:prstGeom>
         </p:spPr>
-      </p:pic>
+        <p:txBody>
+          <a:bodyPr>
+            <a:normAutofit/>
+          </a:bodyPr>
+          <a:lstStyle/>
+          <a:p>
+            <a:r>
+              <a:rPr lang="en-US" dirty="0"/>
+              <a:t>Supports HTTP REST API</a:t>
+            </a:r>
+          </a:p>
+          <a:p>
+            <a:r>
+              <a:rPr lang="en-US" dirty="0"/>
+              <a:t>Implementing direct </a:t>
+            </a:r>
+            <a:r>
+              <a:rPr lang="en-US" dirty="0" err="1"/>
+              <a:t>Javascript</a:t>
+            </a:r>
+            <a:r>
+              <a:rPr lang="en-US" dirty="0"/>
+              <a:t> API support</a:t>
+            </a:r>
+          </a:p>
+          <a:p>
+            <a:r>
+              <a:rPr lang="en-US" dirty="0" err="1"/>
+              <a:t>MotherBot</a:t>
+            </a:r>
+            <a:r>
+              <a:rPr lang="en-US" dirty="0"/>
+              <a:t> Wickr API can support interface to WickrIO API</a:t>
+            </a:r>
+          </a:p>
+          <a:p>
+            <a:r>
+              <a:rPr lang="en-US" dirty="0"/>
+              <a:t>WickrIO Client(s) support following API types:</a:t>
+            </a:r>
+          </a:p>
+          <a:p>
+            <a:pPr lvl="1"/>
+            <a:r>
+              <a:rPr lang="en-US" dirty="0"/>
+              <a:t>Send messages and files</a:t>
+            </a:r>
+          </a:p>
+          <a:p>
+            <a:pPr lvl="1"/>
+            <a:r>
+              <a:rPr lang="en-US" dirty="0"/>
+              <a:t>Get, clear statistics</a:t>
+            </a:r>
+          </a:p>
+          <a:p>
+            <a:pPr lvl="1"/>
+            <a:r>
+              <a:rPr lang="en-US" dirty="0"/>
+              <a:t>Create, get, modify and delete secure rooms</a:t>
+            </a:r>
+          </a:p>
+          <a:p>
+            <a:pPr lvl="1"/>
+            <a:r>
+              <a:rPr lang="en-US" dirty="0"/>
+              <a:t>Create, get, leave and delete group conversations</a:t>
+            </a:r>
+          </a:p>
+          <a:p>
+            <a:pPr lvl="1"/>
+            <a:endParaRPr lang="en-US" dirty="0"/>
+          </a:p>
+        </p:txBody>
+      </p:sp>
     </p:spTree>
     <p:extLst>
       <p:ext uri="{BB962C8B-B14F-4D97-AF65-F5344CB8AC3E}">
-        <p14:creationId xmlns:p14="http://schemas.microsoft.com/office/powerpoint/2010/main" val="1098024470"/>
+        <p14:creationId xmlns:p14="http://schemas.microsoft.com/office/powerpoint/2010/main" val="784905488"/>
       </p:ext>
     </p:extLst>
   </p:cSld>
@@ -3600,7 +3665,7 @@
           <p:cNvPr id="2" name="Title 1">
             <a:extLst>
               <a:ext uri="{FF2B5EF4-FFF2-40B4-BE49-F238E27FC236}">
-                <a16:creationId xmlns:a16="http://schemas.microsoft.com/office/drawing/2014/main" id="{930F9164-E78F-714E-BF5C-BEE3726FF83C}"/>
+                <a16:creationId xmlns:a16="http://schemas.microsoft.com/office/drawing/2014/main" id="{A612CBA8-A44F-7C44-A0BE-01DEE8809FA6}"/>
               </a:ext>
             </a:extLst>
           </p:cNvPr>
@@ -3618,45 +3683,111 @@
           <a:p>
             <a:r>
               <a:rPr lang="en-US" dirty="0"/>
-              <a:t>WickrIO Bot Architecture</a:t>
-            </a:r>
-          </a:p>
-        </p:txBody>
-      </p:sp>
-      <p:pic>
-        <p:nvPicPr>
-          <p:cNvPr id="4" name="Picture 3">
-            <a:extLst>
-              <a:ext uri="{FF2B5EF4-FFF2-40B4-BE49-F238E27FC236}">
-                <a16:creationId xmlns:a16="http://schemas.microsoft.com/office/drawing/2014/main" id="{04BFDAA4-85BE-1F45-A325-BD4FDDC0D9E2}"/>
-              </a:ext>
-            </a:extLst>
-          </p:cNvPr>
-          <p:cNvPicPr>
-            <a:picLocks noChangeAspect="1"/>
-          </p:cNvPicPr>
-          <p:nvPr/>
-        </p:nvPicPr>
-        <p:blipFill>
-          <a:blip r:embed="rId2"/>
-          <a:stretch>
-            <a:fillRect/>
-          </a:stretch>
-        </p:blipFill>
+              <a:t>WickrIO Client Node.js Addon API</a:t>
+            </a:r>
+          </a:p>
+        </p:txBody>
+      </p:sp>
+      <p:sp>
+        <p:nvSpPr>
+          <p:cNvPr id="3" name="Content Placeholder 2">
+            <a:extLst>
+              <a:ext uri="{FF2B5EF4-FFF2-40B4-BE49-F238E27FC236}">
+                <a16:creationId xmlns:a16="http://schemas.microsoft.com/office/drawing/2014/main" id="{E9B43A63-C770-0343-9BB1-F2D96DDAC9F0}"/>
+              </a:ext>
+            </a:extLst>
+          </p:cNvPr>
+          <p:cNvSpPr>
+            <a:spLocks noGrp="1"/>
+          </p:cNvSpPr>
+          <p:nvPr>
+            <p:ph idx="1"/>
+          </p:nvPr>
+        </p:nvSpPr>
         <p:spPr>
           <a:xfrm>
-            <a:off x="1751012" y="1575487"/>
-            <a:ext cx="8689975" cy="4800600"/>
+            <a:off x="838200" y="1825625"/>
+            <a:ext cx="10515600" cy="4338869"/>
           </a:xfrm>
-          <a:prstGeom prst="rect">
-            <a:avLst/>
-          </a:prstGeom>
         </p:spPr>
-      </p:pic>
+        <p:txBody>
+          <a:bodyPr>
+            <a:normAutofit/>
+          </a:bodyPr>
+          <a:lstStyle/>
+          <a:p>
+            <a:r>
+              <a:rPr lang="en-US" dirty="0"/>
+              <a:t>Supports HTTP REST API</a:t>
+            </a:r>
+          </a:p>
+          <a:p>
+            <a:pPr lvl="1"/>
+            <a:r>
+              <a:rPr lang="en-US" dirty="0"/>
+              <a:t>Get and Clear Statistics</a:t>
+            </a:r>
+          </a:p>
+          <a:p>
+            <a:pPr lvl="1"/>
+            <a:r>
+              <a:rPr lang="en-US" dirty="0"/>
+              <a:t>Get list of rooms</a:t>
+            </a:r>
+          </a:p>
+          <a:p>
+            <a:pPr lvl="1"/>
+            <a:r>
+              <a:rPr lang="en-US" dirty="0"/>
+              <a:t>Get, Add, Modify, leave and Delete Rooms</a:t>
+            </a:r>
+          </a:p>
+          <a:p>
+            <a:pPr lvl="1"/>
+            <a:r>
+              <a:rPr lang="en-US" dirty="0"/>
+              <a:t>Get list of group convos</a:t>
+            </a:r>
+          </a:p>
+          <a:p>
+            <a:pPr lvl="1"/>
+            <a:r>
+              <a:rPr lang="en-US" dirty="0"/>
+              <a:t>Get, Add, Delete group convos</a:t>
+            </a:r>
+          </a:p>
+          <a:p>
+            <a:pPr lvl="1"/>
+            <a:r>
+              <a:rPr lang="en-US" dirty="0"/>
+              <a:t>Get received messages</a:t>
+            </a:r>
+          </a:p>
+          <a:p>
+            <a:pPr lvl="1"/>
+            <a:r>
+              <a:rPr lang="en-US" dirty="0"/>
+              <a:t>Send messages (1to1, secure room and group convos)</a:t>
+            </a:r>
+          </a:p>
+          <a:p>
+            <a:pPr lvl="1"/>
+            <a:r>
+              <a:rPr lang="en-US" dirty="0"/>
+              <a:t>Async </a:t>
+            </a:r>
+            <a:r>
+              <a:rPr lang="en-US"/>
+              <a:t>message reception</a:t>
+            </a:r>
+            <a:endParaRPr lang="en-US" dirty="0"/>
+          </a:p>
+        </p:txBody>
+      </p:sp>
     </p:spTree>
     <p:extLst>
       <p:ext uri="{BB962C8B-B14F-4D97-AF65-F5344CB8AC3E}">
-        <p14:creationId xmlns:p14="http://schemas.microsoft.com/office/powerpoint/2010/main" val="498750481"/>
+        <p14:creationId xmlns:p14="http://schemas.microsoft.com/office/powerpoint/2010/main" val="4284434356"/>
       </p:ext>
     </p:extLst>
   </p:cSld>
@@ -3688,7 +3819,7 @@
           <p:cNvPr id="2" name="Title 1">
             <a:extLst>
               <a:ext uri="{FF2B5EF4-FFF2-40B4-BE49-F238E27FC236}">
-                <a16:creationId xmlns:a16="http://schemas.microsoft.com/office/drawing/2014/main" id="{FCD3F895-5F73-7A49-B64A-3A0799635867}"/>
+                <a16:creationId xmlns:a16="http://schemas.microsoft.com/office/drawing/2014/main" id="{A89E077F-AAAF-6348-97D3-1F9C0F30C8E4}"/>
               </a:ext>
             </a:extLst>
           </p:cNvPr>
@@ -3706,652 +3837,41 @@
           <a:p>
             <a:r>
               <a:rPr lang="en-US" dirty="0"/>
-              <a:t>WickrIO Client vs. Wickr Desktop Client</a:t>
-            </a:r>
-          </a:p>
-        </p:txBody>
-      </p:sp>
-      <p:graphicFrame>
-        <p:nvGraphicFramePr>
-          <p:cNvPr id="4" name="Table 3">
-            <a:extLst>
-              <a:ext uri="{FF2B5EF4-FFF2-40B4-BE49-F238E27FC236}">
-                <a16:creationId xmlns:a16="http://schemas.microsoft.com/office/drawing/2014/main" id="{8E966D48-1124-2F45-9C55-3246FB6EC9C1}"/>
-              </a:ext>
-            </a:extLst>
-          </p:cNvPr>
-          <p:cNvGraphicFramePr>
-            <a:graphicFrameLocks noGrp="1"/>
-          </p:cNvGraphicFramePr>
-          <p:nvPr>
-            <p:extLst>
-              <p:ext uri="{D42A27DB-BD31-4B8C-83A1-F6EECF244321}">
-                <p14:modId xmlns:p14="http://schemas.microsoft.com/office/powerpoint/2010/main" val="3805929178"/>
-              </p:ext>
-            </p:extLst>
-          </p:nvPr>
-        </p:nvGraphicFramePr>
-        <p:xfrm>
-          <a:off x="838200" y="1805077"/>
-          <a:ext cx="10515600" cy="3383280"/>
-        </p:xfrm>
-        <a:graphic>
-          <a:graphicData uri="http://schemas.openxmlformats.org/drawingml/2006/table">
-            <a:tbl>
-              <a:tblPr firstRow="1" bandRow="1">
-                <a:tableStyleId>{5C22544A-7EE6-4342-B048-85BDC9FD1C3A}</a:tableStyleId>
-              </a:tblPr>
-              <a:tblGrid>
-                <a:gridCol w="2286000">
-                  <a:extLst>
-                    <a:ext uri="{9D8B030D-6E8A-4147-A177-3AD203B41FA5}">
-                      <a16:colId xmlns:a16="http://schemas.microsoft.com/office/drawing/2014/main" val="2675385728"/>
-                    </a:ext>
-                  </a:extLst>
-                </a:gridCol>
-                <a:gridCol w="4114800">
-                  <a:extLst>
-                    <a:ext uri="{9D8B030D-6E8A-4147-A177-3AD203B41FA5}">
-                      <a16:colId xmlns:a16="http://schemas.microsoft.com/office/drawing/2014/main" val="2106446067"/>
-                    </a:ext>
-                  </a:extLst>
-                </a:gridCol>
-                <a:gridCol w="4114800">
-                  <a:extLst>
-                    <a:ext uri="{9D8B030D-6E8A-4147-A177-3AD203B41FA5}">
-                      <a16:colId xmlns:a16="http://schemas.microsoft.com/office/drawing/2014/main" val="3385572421"/>
-                    </a:ext>
-                  </a:extLst>
-                </a:gridCol>
-              </a:tblGrid>
-              <a:tr h="457200">
-                <a:tc>
-                  <a:txBody>
-                    <a:bodyPr/>
-                    <a:lstStyle/>
-                    <a:p>
-                      <a:pPr algn="ctr"/>
-                      <a:endParaRPr lang="en-US" dirty="0"/>
-                    </a:p>
-                  </a:txBody>
-                  <a:tcPr anchor="ctr"/>
-                </a:tc>
-                <a:tc>
-                  <a:txBody>
-                    <a:bodyPr/>
-                    <a:lstStyle/>
-                    <a:p>
-                      <a:pPr algn="ctr"/>
-                      <a:r>
-                        <a:rPr lang="en-US" dirty="0"/>
-                        <a:t>Wickr Desktop Client</a:t>
-                      </a:r>
-                    </a:p>
-                  </a:txBody>
-                  <a:tcPr anchor="ctr"/>
-                </a:tc>
-                <a:tc>
-                  <a:txBody>
-                    <a:bodyPr/>
-                    <a:lstStyle/>
-                    <a:p>
-                      <a:pPr algn="ctr"/>
-                      <a:r>
-                        <a:rPr lang="en-US" dirty="0"/>
-                        <a:t>WickrIO Client</a:t>
-                      </a:r>
-                    </a:p>
-                  </a:txBody>
-                  <a:tcPr anchor="ctr"/>
-                </a:tc>
-                <a:extLst>
-                  <a:ext uri="{0D108BD9-81ED-4DB2-BD59-A6C34878D82A}">
-                    <a16:rowId xmlns:a16="http://schemas.microsoft.com/office/drawing/2014/main" val="3626966943"/>
-                  </a:ext>
-                </a:extLst>
-              </a:tr>
-              <a:tr h="457200">
-                <a:tc>
-                  <a:txBody>
-                    <a:bodyPr/>
-                    <a:lstStyle/>
-                    <a:p>
-                      <a:r>
-                        <a:rPr lang="en-US" dirty="0"/>
-                        <a:t>Applications</a:t>
-                      </a:r>
-                    </a:p>
-                  </a:txBody>
-                  <a:tcPr/>
-                </a:tc>
-                <a:tc>
-                  <a:txBody>
-                    <a:bodyPr/>
-                    <a:lstStyle/>
-                    <a:p>
-                      <a:r>
-                        <a:rPr lang="en-US" dirty="0"/>
-                        <a:t>Desktop Wickr Client</a:t>
-                      </a:r>
-                    </a:p>
-                  </a:txBody>
-                  <a:tcPr/>
-                </a:tc>
-                <a:tc>
-                  <a:txBody>
-                    <a:bodyPr/>
-                    <a:lstStyle/>
-                    <a:p>
-                      <a:r>
-                        <a:rPr lang="en-US" dirty="0"/>
-                        <a:t>Compliance Bot, Welcome Bot, Broadcast Bot, </a:t>
-                      </a:r>
-                      <a:r>
-                        <a:rPr lang="en-US" dirty="0" err="1"/>
-                        <a:t>Hubot</a:t>
-                      </a:r>
-                      <a:r>
-                        <a:rPr lang="en-US" dirty="0"/>
-                        <a:t> Integration Bot, Custom Integration Bot</a:t>
-                      </a:r>
-                    </a:p>
-                  </a:txBody>
-                  <a:tcPr/>
-                </a:tc>
-                <a:extLst>
-                  <a:ext uri="{0D108BD9-81ED-4DB2-BD59-A6C34878D82A}">
-                    <a16:rowId xmlns:a16="http://schemas.microsoft.com/office/drawing/2014/main" val="3063672425"/>
-                  </a:ext>
-                </a:extLst>
-              </a:tr>
-              <a:tr h="457200">
-                <a:tc>
-                  <a:txBody>
-                    <a:bodyPr/>
-                    <a:lstStyle/>
-                    <a:p>
-                      <a:r>
-                        <a:rPr lang="en-US" dirty="0"/>
-                        <a:t>Interfaces</a:t>
-                      </a:r>
-                    </a:p>
-                  </a:txBody>
-                  <a:tcPr/>
-                </a:tc>
-                <a:tc>
-                  <a:txBody>
-                    <a:bodyPr/>
-                    <a:lstStyle/>
-                    <a:p>
-                      <a:r>
-                        <a:rPr lang="en-US" dirty="0"/>
-                        <a:t>GUI</a:t>
-                      </a:r>
-                    </a:p>
-                  </a:txBody>
-                  <a:tcPr/>
-                </a:tc>
-                <a:tc>
-                  <a:txBody>
-                    <a:bodyPr/>
-                    <a:lstStyle/>
-                    <a:p>
-                      <a:r>
-                        <a:rPr lang="en-US" dirty="0"/>
-                        <a:t>REST API, </a:t>
-                      </a:r>
-                      <a:r>
-                        <a:rPr lang="en-US" dirty="0" err="1"/>
-                        <a:t>Javascript</a:t>
-                      </a:r>
-                      <a:r>
-                        <a:rPr lang="en-US" dirty="0"/>
-                        <a:t> (in progress), </a:t>
-                      </a:r>
-                      <a:r>
-                        <a:rPr lang="en-US" dirty="0" err="1"/>
-                        <a:t>MotherBot</a:t>
-                      </a:r>
-                      <a:r>
-                        <a:rPr lang="en-US" dirty="0"/>
-                        <a:t> (in progress)</a:t>
-                      </a:r>
-                    </a:p>
-                  </a:txBody>
-                  <a:tcPr/>
-                </a:tc>
-                <a:extLst>
-                  <a:ext uri="{0D108BD9-81ED-4DB2-BD59-A6C34878D82A}">
-                    <a16:rowId xmlns:a16="http://schemas.microsoft.com/office/drawing/2014/main" val="2969976782"/>
-                  </a:ext>
-                </a:extLst>
-              </a:tr>
-              <a:tr h="457200">
-                <a:tc>
-                  <a:txBody>
-                    <a:bodyPr/>
-                    <a:lstStyle/>
-                    <a:p>
-                      <a:r>
-                        <a:rPr lang="en-US" dirty="0"/>
-                        <a:t>Platforms</a:t>
-                      </a:r>
-                    </a:p>
-                  </a:txBody>
-                  <a:tcPr/>
-                </a:tc>
-                <a:tc>
-                  <a:txBody>
-                    <a:bodyPr/>
-                    <a:lstStyle/>
-                    <a:p>
-                      <a:r>
-                        <a:rPr lang="en-US" dirty="0"/>
-                        <a:t>Mac, Windows, Linux</a:t>
-                      </a:r>
-                    </a:p>
-                  </a:txBody>
-                  <a:tcPr/>
-                </a:tc>
-                <a:tc>
-                  <a:txBody>
-                    <a:bodyPr/>
-                    <a:lstStyle/>
-                    <a:p>
-                      <a:r>
-                        <a:rPr lang="en-US" dirty="0"/>
-                        <a:t>Linux (Ubuntu 16.04)</a:t>
-                      </a:r>
-                    </a:p>
-                  </a:txBody>
-                  <a:tcPr/>
-                </a:tc>
-                <a:extLst>
-                  <a:ext uri="{0D108BD9-81ED-4DB2-BD59-A6C34878D82A}">
-                    <a16:rowId xmlns:a16="http://schemas.microsoft.com/office/drawing/2014/main" val="3065209289"/>
-                  </a:ext>
-                </a:extLst>
-              </a:tr>
-              <a:tr h="457200">
-                <a:tc>
-                  <a:txBody>
-                    <a:bodyPr/>
-                    <a:lstStyle/>
-                    <a:p>
-                      <a:r>
-                        <a:rPr lang="en-US" dirty="0"/>
-                        <a:t>Encrypted Database</a:t>
-                      </a:r>
-                    </a:p>
-                  </a:txBody>
-                  <a:tcPr/>
-                </a:tc>
-                <a:tc>
-                  <a:txBody>
-                    <a:bodyPr/>
-                    <a:lstStyle/>
-                    <a:p>
-                      <a:r>
-                        <a:rPr lang="en-US" dirty="0"/>
-                        <a:t>Yes</a:t>
-                      </a:r>
-                    </a:p>
-                  </a:txBody>
-                  <a:tcPr/>
-                </a:tc>
-                <a:tc>
-                  <a:txBody>
-                    <a:bodyPr/>
-                    <a:lstStyle/>
-                    <a:p>
-                      <a:r>
-                        <a:rPr lang="en-US" dirty="0"/>
-                        <a:t>Yes</a:t>
-                      </a:r>
-                    </a:p>
-                  </a:txBody>
-                  <a:tcPr/>
-                </a:tc>
-                <a:extLst>
-                  <a:ext uri="{0D108BD9-81ED-4DB2-BD59-A6C34878D82A}">
-                    <a16:rowId xmlns:a16="http://schemas.microsoft.com/office/drawing/2014/main" val="3228236266"/>
-                  </a:ext>
-                </a:extLst>
-              </a:tr>
-              <a:tr h="457200">
-                <a:tc>
-                  <a:txBody>
-                    <a:bodyPr/>
-                    <a:lstStyle/>
-                    <a:p>
-                      <a:r>
-                        <a:rPr lang="en-US" dirty="0"/>
-                        <a:t>Docker installation</a:t>
-                      </a:r>
-                    </a:p>
-                  </a:txBody>
-                  <a:tcPr/>
-                </a:tc>
-                <a:tc>
-                  <a:txBody>
-                    <a:bodyPr/>
-                    <a:lstStyle/>
-                    <a:p>
-                      <a:r>
-                        <a:rPr lang="en-US" dirty="0"/>
-                        <a:t>No</a:t>
-                      </a:r>
-                    </a:p>
-                  </a:txBody>
-                  <a:tcPr/>
-                </a:tc>
-                <a:tc>
-                  <a:txBody>
-                    <a:bodyPr/>
-                    <a:lstStyle/>
-                    <a:p>
-                      <a:r>
-                        <a:rPr lang="en-US" dirty="0"/>
-                        <a:t>Planned (in progress)</a:t>
-                      </a:r>
-                    </a:p>
-                  </a:txBody>
-                  <a:tcPr/>
-                </a:tc>
-                <a:extLst>
-                  <a:ext uri="{0D108BD9-81ED-4DB2-BD59-A6C34878D82A}">
-                    <a16:rowId xmlns:a16="http://schemas.microsoft.com/office/drawing/2014/main" val="1591615578"/>
-                  </a:ext>
-                </a:extLst>
-              </a:tr>
-            </a:tbl>
-          </a:graphicData>
-        </a:graphic>
-      </p:graphicFrame>
-    </p:spTree>
-    <p:extLst>
-      <p:ext uri="{BB962C8B-B14F-4D97-AF65-F5344CB8AC3E}">
-        <p14:creationId xmlns:p14="http://schemas.microsoft.com/office/powerpoint/2010/main" val="3292820593"/>
-      </p:ext>
-    </p:extLst>
-  </p:cSld>
-  <p:clrMapOvr>
-    <a:masterClrMapping/>
-  </p:clrMapOvr>
-</p:sld>
-</file>
-
-<file path=ppt/slides/slide6.xml><?xml version="1.0" encoding="utf-8"?>
-<p:sld xmlns:a="http://schemas.openxmlformats.org/drawingml/2006/main" xmlns:r="http://schemas.openxmlformats.org/officeDocument/2006/relationships" xmlns:p="http://schemas.openxmlformats.org/presentationml/2006/main">
-  <p:cSld>
-    <p:spTree>
-      <p:nvGrpSpPr>
-        <p:cNvPr id="1" name=""/>
-        <p:cNvGrpSpPr/>
-        <p:nvPr/>
-      </p:nvGrpSpPr>
-      <p:grpSpPr>
-        <a:xfrm>
-          <a:off x="0" y="0"/>
-          <a:ext cx="0" cy="0"/>
-          <a:chOff x="0" y="0"/>
-          <a:chExt cx="0" cy="0"/>
-        </a:xfrm>
-      </p:grpSpPr>
-      <p:sp>
-        <p:nvSpPr>
-          <p:cNvPr id="2" name="Title 1">
-            <a:extLst>
-              <a:ext uri="{FF2B5EF4-FFF2-40B4-BE49-F238E27FC236}">
-                <a16:creationId xmlns:a16="http://schemas.microsoft.com/office/drawing/2014/main" id="{A612CBA8-A44F-7C44-A0BE-01DEE8809FA6}"/>
-              </a:ext>
-            </a:extLst>
-          </p:cNvPr>
-          <p:cNvSpPr>
-            <a:spLocks noGrp="1"/>
-          </p:cNvSpPr>
-          <p:nvPr>
-            <p:ph type="title"/>
-          </p:nvPr>
-        </p:nvSpPr>
-        <p:spPr/>
-        <p:txBody>
-          <a:bodyPr/>
-          <a:lstStyle/>
-          <a:p>
-            <a:r>
-              <a:rPr lang="en-US" dirty="0"/>
-              <a:t>WickrIO Client API</a:t>
-            </a:r>
-          </a:p>
-        </p:txBody>
-      </p:sp>
-      <p:sp>
-        <p:nvSpPr>
-          <p:cNvPr id="3" name="Content Placeholder 2">
-            <a:extLst>
-              <a:ext uri="{FF2B5EF4-FFF2-40B4-BE49-F238E27FC236}">
-                <a16:creationId xmlns:a16="http://schemas.microsoft.com/office/drawing/2014/main" id="{E9B43A63-C770-0343-9BB1-F2D96DDAC9F0}"/>
-              </a:ext>
-            </a:extLst>
-          </p:cNvPr>
-          <p:cNvSpPr>
-            <a:spLocks noGrp="1"/>
-          </p:cNvSpPr>
-          <p:nvPr>
-            <p:ph idx="1"/>
-          </p:nvPr>
-        </p:nvSpPr>
+              <a:t>WickrIO Working Directory</a:t>
+            </a:r>
+          </a:p>
+        </p:txBody>
+      </p:sp>
+      <p:pic>
+        <p:nvPicPr>
+          <p:cNvPr id="6" name="Picture 5">
+            <a:extLst>
+              <a:ext uri="{FF2B5EF4-FFF2-40B4-BE49-F238E27FC236}">
+                <a16:creationId xmlns:a16="http://schemas.microsoft.com/office/drawing/2014/main" id="{C006AD6F-351B-438C-A2E7-8791BE2AF2ED}"/>
+              </a:ext>
+            </a:extLst>
+          </p:cNvPr>
+          <p:cNvPicPr>
+            <a:picLocks noChangeAspect="1"/>
+          </p:cNvPicPr>
+          <p:nvPr/>
+        </p:nvPicPr>
+        <p:blipFill>
+          <a:blip r:embed="rId2"/>
+          <a:stretch>
+            <a:fillRect/>
+          </a:stretch>
+        </p:blipFill>
         <p:spPr>
           <a:xfrm>
-            <a:off x="838200" y="1825625"/>
-            <a:ext cx="10515600" cy="4338869"/>
+            <a:off x="1493421" y="1750952"/>
+            <a:ext cx="5000625" cy="3800475"/>
           </a:xfrm>
+          <a:prstGeom prst="rect">
+            <a:avLst/>
+          </a:prstGeom>
         </p:spPr>
-        <p:txBody>
-          <a:bodyPr>
-            <a:normAutofit/>
-          </a:bodyPr>
-          <a:lstStyle/>
-          <a:p>
-            <a:r>
-              <a:rPr lang="en-US" dirty="0"/>
-              <a:t>Supports HTTP REST API</a:t>
-            </a:r>
-          </a:p>
-          <a:p>
-            <a:r>
-              <a:rPr lang="en-US" dirty="0"/>
-              <a:t>Implementing direct </a:t>
-            </a:r>
-            <a:r>
-              <a:rPr lang="en-US" dirty="0" err="1"/>
-              <a:t>Javascript</a:t>
-            </a:r>
-            <a:r>
-              <a:rPr lang="en-US" dirty="0"/>
-              <a:t> API support</a:t>
-            </a:r>
-          </a:p>
-          <a:p>
-            <a:r>
-              <a:rPr lang="en-US" dirty="0" err="1"/>
-              <a:t>MotherBot</a:t>
-            </a:r>
-            <a:r>
-              <a:rPr lang="en-US" dirty="0"/>
-              <a:t> Wickr API can support interface to WickrIO API</a:t>
-            </a:r>
-          </a:p>
-          <a:p>
-            <a:r>
-              <a:rPr lang="en-US" dirty="0"/>
-              <a:t>WickrIO Client(s) support following API types:</a:t>
-            </a:r>
-          </a:p>
-          <a:p>
-            <a:pPr lvl="1"/>
-            <a:r>
-              <a:rPr lang="en-US" dirty="0"/>
-              <a:t>Send messages and files</a:t>
-            </a:r>
-          </a:p>
-          <a:p>
-            <a:pPr lvl="1"/>
-            <a:r>
-              <a:rPr lang="en-US" dirty="0"/>
-              <a:t>Get, clear statistics</a:t>
-            </a:r>
-          </a:p>
-          <a:p>
-            <a:pPr lvl="1"/>
-            <a:r>
-              <a:rPr lang="en-US" dirty="0"/>
-              <a:t>Create, get, modify and delete secure rooms</a:t>
-            </a:r>
-          </a:p>
-          <a:p>
-            <a:pPr lvl="1"/>
-            <a:r>
-              <a:rPr lang="en-US" dirty="0"/>
-              <a:t>Create, get, leave and delete group conversations</a:t>
-            </a:r>
-          </a:p>
-          <a:p>
-            <a:pPr lvl="1"/>
-            <a:endParaRPr lang="en-US" dirty="0"/>
-          </a:p>
-        </p:txBody>
-      </p:sp>
-    </p:spTree>
-    <p:extLst>
-      <p:ext uri="{BB962C8B-B14F-4D97-AF65-F5344CB8AC3E}">
-        <p14:creationId xmlns:p14="http://schemas.microsoft.com/office/powerpoint/2010/main" val="784905488"/>
-      </p:ext>
-    </p:extLst>
-  </p:cSld>
-  <p:clrMapOvr>
-    <a:masterClrMapping/>
-  </p:clrMapOvr>
-</p:sld>
-</file>
-
-<file path=ppt/slides/slide7.xml><?xml version="1.0" encoding="utf-8"?>
-<p:sld xmlns:a="http://schemas.openxmlformats.org/drawingml/2006/main" xmlns:r="http://schemas.openxmlformats.org/officeDocument/2006/relationships" xmlns:p="http://schemas.openxmlformats.org/presentationml/2006/main">
-  <p:cSld>
-    <p:spTree>
-      <p:nvGrpSpPr>
-        <p:cNvPr id="1" name=""/>
-        <p:cNvGrpSpPr/>
-        <p:nvPr/>
-      </p:nvGrpSpPr>
-      <p:grpSpPr>
-        <a:xfrm>
-          <a:off x="0" y="0"/>
-          <a:ext cx="0" cy="0"/>
-          <a:chOff x="0" y="0"/>
-          <a:chExt cx="0" cy="0"/>
-        </a:xfrm>
-      </p:grpSpPr>
-      <p:sp>
-        <p:nvSpPr>
-          <p:cNvPr id="2" name="Title 1">
-            <a:extLst>
-              <a:ext uri="{FF2B5EF4-FFF2-40B4-BE49-F238E27FC236}">
-                <a16:creationId xmlns:a16="http://schemas.microsoft.com/office/drawing/2014/main" id="{A89E077F-AAAF-6348-97D3-1F9C0F30C8E4}"/>
-              </a:ext>
-            </a:extLst>
-          </p:cNvPr>
-          <p:cNvSpPr>
-            <a:spLocks noGrp="1"/>
-          </p:cNvSpPr>
-          <p:nvPr>
-            <p:ph type="title"/>
-          </p:nvPr>
-        </p:nvSpPr>
-        <p:spPr/>
-        <p:txBody>
-          <a:bodyPr/>
-          <a:lstStyle/>
-          <a:p>
-            <a:r>
-              <a:rPr lang="en-US" dirty="0"/>
-              <a:t>WickrIO Console Service</a:t>
-            </a:r>
-          </a:p>
-        </p:txBody>
-      </p:sp>
-      <p:sp>
-        <p:nvSpPr>
-          <p:cNvPr id="3" name="Content Placeholder 2">
-            <a:extLst>
-              <a:ext uri="{FF2B5EF4-FFF2-40B4-BE49-F238E27FC236}">
-                <a16:creationId xmlns:a16="http://schemas.microsoft.com/office/drawing/2014/main" id="{E547B2CB-F40A-3C41-9543-C026B0807570}"/>
-              </a:ext>
-            </a:extLst>
-          </p:cNvPr>
-          <p:cNvSpPr>
-            <a:spLocks noGrp="1"/>
-          </p:cNvSpPr>
-          <p:nvPr>
-            <p:ph idx="1"/>
-          </p:nvPr>
-        </p:nvSpPr>
-        <p:spPr/>
-        <p:txBody>
-          <a:bodyPr/>
-          <a:lstStyle/>
-          <a:p>
-            <a:r>
-              <a:rPr lang="en-US" dirty="0"/>
-              <a:t>Supports REST API to control WickrIO Clients</a:t>
-            </a:r>
-          </a:p>
-          <a:p>
-            <a:r>
-              <a:rPr lang="en-US" dirty="0"/>
-              <a:t>Optional service</a:t>
-            </a:r>
-          </a:p>
-          <a:p>
-            <a:r>
-              <a:rPr lang="en-US" dirty="0"/>
-              <a:t>Support the following HTTP REST APIs:</a:t>
-            </a:r>
-          </a:p>
-          <a:p>
-            <a:pPr lvl="1"/>
-            <a:r>
-              <a:rPr lang="en-US" dirty="0"/>
-              <a:t>Get list of WickrIO clients</a:t>
-            </a:r>
-          </a:p>
-          <a:p>
-            <a:pPr lvl="1"/>
-            <a:r>
-              <a:rPr lang="en-US" dirty="0"/>
-              <a:t>Create, delete, start or pause a WickrIO client</a:t>
-            </a:r>
-          </a:p>
-          <a:p>
-            <a:pPr lvl="1"/>
-            <a:r>
-              <a:rPr lang="en-US" dirty="0"/>
-              <a:t>Get statistics for all of the WickrIO clients</a:t>
-            </a:r>
-          </a:p>
-          <a:p>
-            <a:r>
-              <a:rPr lang="en-US" dirty="0" err="1"/>
-              <a:t>MotherBot</a:t>
-            </a:r>
-            <a:r>
-              <a:rPr lang="en-US" dirty="0"/>
-              <a:t> can support these APIs via Wickr interface</a:t>
-            </a:r>
-          </a:p>
-        </p:txBody>
-      </p:sp>
+      </p:pic>
     </p:spTree>
     <p:extLst>
       <p:ext uri="{BB962C8B-B14F-4D97-AF65-F5344CB8AC3E}">
@@ -4365,7 +3885,7 @@
 </p:sld>
 </file>
 
-<file path=ppt/slides/slide8.xml><?xml version="1.0" encoding="utf-8"?>
+<file path=ppt/slides/slide6.xml><?xml version="1.0" encoding="utf-8"?>
 <p:sld xmlns:a="http://schemas.openxmlformats.org/drawingml/2006/main" xmlns:r="http://schemas.openxmlformats.org/officeDocument/2006/relationships" xmlns:p="http://schemas.openxmlformats.org/presentationml/2006/main">
   <p:cSld>
     <p:spTree>

--- a/docs/design/WickrIO_DevelopmentOverview.pptx
+++ b/docs/design/WickrIO_DevelopmentOverview.pptx
@@ -10,7 +10,6 @@
     <p:sldId id="261" r:id="rId4"/>
     <p:sldId id="264" r:id="rId5"/>
     <p:sldId id="262" r:id="rId6"/>
-    <p:sldId id="263" r:id="rId7"/>
   </p:sldIdLst>
   <p:sldSz cx="12192000" cy="6858000"/>
   <p:notesSz cx="6858000" cy="9144000"/>
@@ -3528,7 +3527,7 @@
           <a:p>
             <a:r>
               <a:rPr lang="en-US" dirty="0"/>
-              <a:t>WickrIO Client Node.js Addon API</a:t>
+              <a:t>WickrIO Client Integrations</a:t>
             </a:r>
           </a:p>
         </p:txBody>
@@ -3563,66 +3562,48 @@
           <a:p>
             <a:r>
               <a:rPr lang="en-US" dirty="0"/>
-              <a:t>Supports HTTP REST API</a:t>
-            </a:r>
-          </a:p>
-          <a:p>
+              <a:t>WickrIO distribution comes with the following integrations:</a:t>
+            </a:r>
+          </a:p>
+          <a:p>
+            <a:pPr lvl="1"/>
+            <a:r>
+              <a:rPr lang="en-US" dirty="0" err="1"/>
+              <a:t>Hello_world_bot</a:t>
+            </a:r>
             <a:r>
               <a:rPr lang="en-US" dirty="0"/>
-              <a:t>Implementing direct </a:t>
+              <a:t> / </a:t>
             </a:r>
             <a:r>
               <a:rPr lang="en-US" dirty="0" err="1"/>
-              <a:t>Javascript</a:t>
-            </a:r>
-            <a:r>
-              <a:rPr lang="en-US" dirty="0"/>
-              <a:t> API support</a:t>
-            </a:r>
-          </a:p>
-          <a:p>
+              <a:t>Welcome_bot</a:t>
+            </a:r>
+            <a:endParaRPr lang="en-US" dirty="0"/>
+          </a:p>
+          <a:p>
+            <a:pPr lvl="1"/>
             <a:r>
               <a:rPr lang="en-US" dirty="0" err="1"/>
-              <a:t>MotherBot</a:t>
-            </a:r>
-            <a:r>
-              <a:rPr lang="en-US" dirty="0"/>
-              <a:t> Wickr API can support interface to WickrIO API</a:t>
-            </a:r>
-          </a:p>
-          <a:p>
-            <a:r>
-              <a:rPr lang="en-US" dirty="0"/>
-              <a:t>WickrIO Client(s) support following API types:</a:t>
-            </a:r>
+              <a:t>File_bot</a:t>
+            </a:r>
+            <a:endParaRPr lang="en-US" dirty="0"/>
           </a:p>
           <a:p>
             <a:pPr lvl="1"/>
             <a:r>
-              <a:rPr lang="en-US" dirty="0"/>
-              <a:t>Send messages and files</a:t>
-            </a:r>
+              <a:rPr lang="en-US" dirty="0" err="1"/>
+              <a:t>Hubot</a:t>
+            </a:r>
+            <a:endParaRPr lang="en-US" dirty="0"/>
           </a:p>
           <a:p>
             <a:pPr lvl="1"/>
             <a:r>
-              <a:rPr lang="en-US" dirty="0"/>
-              <a:t>Get, clear statistics</a:t>
-            </a:r>
-          </a:p>
-          <a:p>
-            <a:pPr lvl="1"/>
-            <a:r>
-              <a:rPr lang="en-US" dirty="0"/>
-              <a:t>Create, get, modify and delete secure rooms</a:t>
-            </a:r>
-          </a:p>
-          <a:p>
-            <a:pPr lvl="1"/>
-            <a:r>
-              <a:rPr lang="en-US" dirty="0"/>
-              <a:t>Create, get, leave and delete group conversations</a:t>
-            </a:r>
+              <a:rPr lang="en-US" dirty="0" err="1"/>
+              <a:t>Web_interface</a:t>
+            </a:r>
+            <a:endParaRPr lang="en-US" dirty="0"/>
           </a:p>
           <a:p>
             <a:pPr lvl="1"/>
@@ -3718,7 +3699,7 @@
           <a:p>
             <a:r>
               <a:rPr lang="en-US" dirty="0"/>
-              <a:t>Supports HTTP REST API</a:t>
+              <a:t>Supported APIs</a:t>
             </a:r>
           </a:p>
           <a:p>
@@ -3774,13 +3755,14 @@
             <a:pPr lvl="1"/>
             <a:r>
               <a:rPr lang="en-US" dirty="0"/>
-              <a:t>Async </a:t>
-            </a:r>
-            <a:r>
-              <a:rPr lang="en-US"/>
-              <a:t>message reception</a:t>
-            </a:r>
-            <a:endParaRPr lang="en-US" dirty="0"/>
+              <a:t>Async message reception</a:t>
+            </a:r>
+          </a:p>
+          <a:p>
+            <a:r>
+              <a:rPr lang="en-US" dirty="0"/>
+              <a:t>Similar to the HTTP REST APIs</a:t>
+            </a:r>
           </a:p>
         </p:txBody>
       </p:sp>
@@ -3844,10 +3826,10 @@
       </p:sp>
       <p:pic>
         <p:nvPicPr>
-          <p:cNvPr id="6" name="Picture 5">
-            <a:extLst>
-              <a:ext uri="{FF2B5EF4-FFF2-40B4-BE49-F238E27FC236}">
-                <a16:creationId xmlns:a16="http://schemas.microsoft.com/office/drawing/2014/main" id="{C006AD6F-351B-438C-A2E7-8791BE2AF2ED}"/>
+          <p:cNvPr id="8" name="Picture 7">
+            <a:extLst>
+              <a:ext uri="{FF2B5EF4-FFF2-40B4-BE49-F238E27FC236}">
+                <a16:creationId xmlns:a16="http://schemas.microsoft.com/office/drawing/2014/main" id="{2BC1D65F-3224-408A-8E77-3E353EC225F7}"/>
               </a:ext>
             </a:extLst>
           </p:cNvPr>
@@ -3864,8 +3846,8 @@
         </p:blipFill>
         <p:spPr>
           <a:xfrm>
-            <a:off x="1493421" y="1750952"/>
-            <a:ext cx="5000625" cy="3800475"/>
+            <a:off x="971663" y="1690688"/>
+            <a:ext cx="5869697" cy="4376826"/>
           </a:xfrm>
           <a:prstGeom prst="rect">
             <a:avLst/>
@@ -3876,161 +3858,6 @@
     <p:extLst>
       <p:ext uri="{BB962C8B-B14F-4D97-AF65-F5344CB8AC3E}">
         <p14:creationId xmlns:p14="http://schemas.microsoft.com/office/powerpoint/2010/main" val="4243424224"/>
-      </p:ext>
-    </p:extLst>
-  </p:cSld>
-  <p:clrMapOvr>
-    <a:masterClrMapping/>
-  </p:clrMapOvr>
-</p:sld>
-</file>
-
-<file path=ppt/slides/slide6.xml><?xml version="1.0" encoding="utf-8"?>
-<p:sld xmlns:a="http://schemas.openxmlformats.org/drawingml/2006/main" xmlns:r="http://schemas.openxmlformats.org/officeDocument/2006/relationships" xmlns:p="http://schemas.openxmlformats.org/presentationml/2006/main">
-  <p:cSld>
-    <p:spTree>
-      <p:nvGrpSpPr>
-        <p:cNvPr id="1" name=""/>
-        <p:cNvGrpSpPr/>
-        <p:nvPr/>
-      </p:nvGrpSpPr>
-      <p:grpSpPr>
-        <a:xfrm>
-          <a:off x="0" y="0"/>
-          <a:ext cx="0" cy="0"/>
-          <a:chOff x="0" y="0"/>
-          <a:chExt cx="0" cy="0"/>
-        </a:xfrm>
-      </p:grpSpPr>
-      <p:sp>
-        <p:nvSpPr>
-          <p:cNvPr id="2" name="Title 1">
-            <a:extLst>
-              <a:ext uri="{FF2B5EF4-FFF2-40B4-BE49-F238E27FC236}">
-                <a16:creationId xmlns:a16="http://schemas.microsoft.com/office/drawing/2014/main" id="{FF04612E-040D-D94E-9820-E53FB280B040}"/>
-              </a:ext>
-            </a:extLst>
-          </p:cNvPr>
-          <p:cNvSpPr>
-            <a:spLocks noGrp="1"/>
-          </p:cNvSpPr>
-          <p:nvPr>
-            <p:ph type="title"/>
-          </p:nvPr>
-        </p:nvSpPr>
-        <p:spPr/>
-        <p:txBody>
-          <a:bodyPr/>
-          <a:lstStyle/>
-          <a:p>
-            <a:r>
-              <a:rPr lang="en-US" dirty="0"/>
-              <a:t>WickrIO Security Review</a:t>
-            </a:r>
-          </a:p>
-        </p:txBody>
-      </p:sp>
-      <p:sp>
-        <p:nvSpPr>
-          <p:cNvPr id="3" name="Content Placeholder 2">
-            <a:extLst>
-              <a:ext uri="{FF2B5EF4-FFF2-40B4-BE49-F238E27FC236}">
-                <a16:creationId xmlns:a16="http://schemas.microsoft.com/office/drawing/2014/main" id="{28982EB7-43AF-DE45-9BD8-9B11904DA073}"/>
-              </a:ext>
-            </a:extLst>
-          </p:cNvPr>
-          <p:cNvSpPr>
-            <a:spLocks noGrp="1"/>
-          </p:cNvSpPr>
-          <p:nvPr>
-            <p:ph idx="1"/>
-          </p:nvPr>
-        </p:nvSpPr>
-        <p:spPr/>
-        <p:txBody>
-          <a:bodyPr/>
-          <a:lstStyle/>
-          <a:p>
-            <a:r>
-              <a:rPr lang="en-US" dirty="0"/>
-              <a:t>Client configuration on local machine</a:t>
-            </a:r>
-          </a:p>
-          <a:p>
-            <a:pPr lvl="1"/>
-            <a:r>
-              <a:rPr lang="en-US" dirty="0"/>
-              <a:t>RISK: local system database is non encrypted</a:t>
-            </a:r>
-          </a:p>
-          <a:p>
-            <a:r>
-              <a:rPr lang="en-US" dirty="0"/>
-              <a:t>HTTPS supported</a:t>
-            </a:r>
-          </a:p>
-          <a:p>
-            <a:r>
-              <a:rPr lang="en-US" dirty="0"/>
-              <a:t>HTTP/HTTPS Authentication supported</a:t>
-            </a:r>
-          </a:p>
-          <a:p>
-            <a:pPr lvl="1"/>
-            <a:r>
-              <a:rPr lang="en-US" dirty="0"/>
-              <a:t>Basic authentication: username/password</a:t>
-            </a:r>
-          </a:p>
-          <a:p>
-            <a:pPr lvl="1"/>
-            <a:r>
-              <a:rPr lang="en-US" dirty="0"/>
-              <a:t>“</a:t>
-            </a:r>
-            <a:r>
-              <a:rPr lang="en-US" dirty="0" err="1"/>
-              <a:t>wickr</a:t>
-            </a:r>
-            <a:r>
-              <a:rPr lang="en-US" dirty="0"/>
-              <a:t>-token”: encoded token</a:t>
-            </a:r>
-          </a:p>
-          <a:p>
-            <a:pPr lvl="1"/>
-            <a:r>
-              <a:rPr lang="en-US" dirty="0"/>
-              <a:t>RISK: currently values stores in un-encrypted database on WickrIO system</a:t>
-            </a:r>
-          </a:p>
-          <a:p>
-            <a:r>
-              <a:rPr lang="en-US" dirty="0"/>
-              <a:t>Password security</a:t>
-            </a:r>
-          </a:p>
-          <a:p>
-            <a:pPr lvl="1"/>
-            <a:r>
-              <a:rPr lang="en-US" dirty="0"/>
-              <a:t>Stored </a:t>
-            </a:r>
-            <a:r>
-              <a:rPr lang="en-US" dirty="0" err="1"/>
-              <a:t>opentext</a:t>
-            </a:r>
-            <a:r>
-              <a:rPr lang="en-US" dirty="0"/>
-              <a:t> until initial login of client </a:t>
-            </a:r>
-          </a:p>
-        </p:txBody>
-      </p:sp>
-    </p:spTree>
-    <p:extLst>
-      <p:ext uri="{BB962C8B-B14F-4D97-AF65-F5344CB8AC3E}">
-        <p14:creationId xmlns:p14="http://schemas.microsoft.com/office/powerpoint/2010/main" val="374871005"/>
       </p:ext>
     </p:extLst>
   </p:cSld>
